--- a/ppt 16-9/0244.爱筵我尝.pptx
+++ b/ppt 16-9/0244.爱筵我尝.pptx
@@ -5,7 +5,7 @@
     <p:sldMasterId id="2147483648" r:id="rId1"/>
   </p:sldMasterIdLst>
   <p:sldIdLst>
-    <p:sldId id="3081" r:id="rId2"/>
+    <p:sldId id="3083" r:id="rId2"/>
   </p:sldIdLst>
   <p:sldSz cx="12192000" cy="6858000"/>
   <p:notesSz cx="6858000" cy="9144000"/>
@@ -129,7 +129,7 @@
           <p:cNvPr id="2" name="标题 1">
             <a:extLst>
               <a:ext uri="{FF2B5EF4-FFF2-40B4-BE49-F238E27FC236}">
-                <a16:creationId xmlns:a16="http://schemas.microsoft.com/office/drawing/2014/main" id="{C4715C6E-C76C-5863-9BD3-EF0960CD34EE}"/>
+                <a16:creationId xmlns:a16="http://schemas.microsoft.com/office/drawing/2014/main" id="{9159F4E6-72BE-B9F7-49E2-CF8357EB8ACC}"/>
               </a:ext>
             </a:extLst>
           </p:cNvPr>
@@ -166,7 +166,7 @@
           <p:cNvPr id="3" name="副标题 2">
             <a:extLst>
               <a:ext uri="{FF2B5EF4-FFF2-40B4-BE49-F238E27FC236}">
-                <a16:creationId xmlns:a16="http://schemas.microsoft.com/office/drawing/2014/main" id="{521164A4-6EDE-2345-752B-DD792C349072}"/>
+                <a16:creationId xmlns:a16="http://schemas.microsoft.com/office/drawing/2014/main" id="{7C3E1B21-B168-21A5-5680-73BF8E6D6956}"/>
               </a:ext>
             </a:extLst>
           </p:cNvPr>
@@ -236,7 +236,7 @@
           <p:cNvPr id="4" name="日期占位符 3">
             <a:extLst>
               <a:ext uri="{FF2B5EF4-FFF2-40B4-BE49-F238E27FC236}">
-                <a16:creationId xmlns:a16="http://schemas.microsoft.com/office/drawing/2014/main" id="{41DA6A14-6226-BA8B-2F90-7B7FA6E0EB8B}"/>
+                <a16:creationId xmlns:a16="http://schemas.microsoft.com/office/drawing/2014/main" id="{82C00EA1-7079-8697-3487-3443DA0CE804}"/>
               </a:ext>
             </a:extLst>
           </p:cNvPr>
@@ -252,7 +252,7 @@
           <a:bodyPr/>
           <a:lstStyle/>
           <a:p>
-            <a:fld id="{EAB4CB4C-8189-460D-B864-DED9DB20B425}" type="datetimeFigureOut">
+            <a:fld id="{AC97B444-451C-40BF-A5CE-F1487967AAAE}" type="datetimeFigureOut">
               <a:rPr lang="zh-CN" altLang="en-US" smtClean="0"/>
               <a:t>2024/3/10</a:t>
             </a:fld>
@@ -265,7 +265,7 @@
           <p:cNvPr id="5" name="页脚占位符 4">
             <a:extLst>
               <a:ext uri="{FF2B5EF4-FFF2-40B4-BE49-F238E27FC236}">
-                <a16:creationId xmlns:a16="http://schemas.microsoft.com/office/drawing/2014/main" id="{44596ED4-1572-F1BF-AA96-C84F06B47729}"/>
+                <a16:creationId xmlns:a16="http://schemas.microsoft.com/office/drawing/2014/main" id="{3B0A23D7-9760-CF15-CD6E-F9A93B4DAE41}"/>
               </a:ext>
             </a:extLst>
           </p:cNvPr>
@@ -290,7 +290,7 @@
           <p:cNvPr id="6" name="灯片编号占位符 5">
             <a:extLst>
               <a:ext uri="{FF2B5EF4-FFF2-40B4-BE49-F238E27FC236}">
-                <a16:creationId xmlns:a16="http://schemas.microsoft.com/office/drawing/2014/main" id="{A46A8F9A-80A6-E728-FBD0-CF2C1ECACCF3}"/>
+                <a16:creationId xmlns:a16="http://schemas.microsoft.com/office/drawing/2014/main" id="{3410ED63-2A89-D5EC-0B01-3C44BD6F286E}"/>
               </a:ext>
             </a:extLst>
           </p:cNvPr>
@@ -306,7 +306,7 @@
           <a:bodyPr/>
           <a:lstStyle/>
           <a:p>
-            <a:fld id="{CDCACD70-36AD-4D5C-9D6D-ED84A0ED952B}" type="slidenum">
+            <a:fld id="{D46628BE-A6F0-4F0D-9387-BCB0A527ED5E}" type="slidenum">
               <a:rPr lang="zh-CN" altLang="en-US" smtClean="0"/>
               <a:t>‹#›</a:t>
             </a:fld>
@@ -317,7 +317,7 @@
     </p:spTree>
     <p:extLst>
       <p:ext uri="{BB962C8B-B14F-4D97-AF65-F5344CB8AC3E}">
-        <p14:creationId xmlns:p14="http://schemas.microsoft.com/office/powerpoint/2010/main" val="221695715"/>
+        <p14:creationId xmlns:p14="http://schemas.microsoft.com/office/powerpoint/2010/main" val="2839040232"/>
       </p:ext>
     </p:extLst>
   </p:cSld>
@@ -349,7 +349,7 @@
           <p:cNvPr id="2" name="标题 1">
             <a:extLst>
               <a:ext uri="{FF2B5EF4-FFF2-40B4-BE49-F238E27FC236}">
-                <a16:creationId xmlns:a16="http://schemas.microsoft.com/office/drawing/2014/main" id="{E3D47BE3-CA8A-7C1E-4ACC-F1E7CFA87451}"/>
+                <a16:creationId xmlns:a16="http://schemas.microsoft.com/office/drawing/2014/main" id="{814A26AC-D640-72B9-643F-E43A85C09262}"/>
               </a:ext>
             </a:extLst>
           </p:cNvPr>
@@ -377,7 +377,7 @@
           <p:cNvPr id="3" name="竖排文字占位符 2">
             <a:extLst>
               <a:ext uri="{FF2B5EF4-FFF2-40B4-BE49-F238E27FC236}">
-                <a16:creationId xmlns:a16="http://schemas.microsoft.com/office/drawing/2014/main" id="{E84E6037-E299-3D8B-4990-D894D77CD8AF}"/>
+                <a16:creationId xmlns:a16="http://schemas.microsoft.com/office/drawing/2014/main" id="{500207BE-B03D-BCB2-A1AB-6517DF2A05FD}"/>
               </a:ext>
             </a:extLst>
           </p:cNvPr>
@@ -434,7 +434,7 @@
           <p:cNvPr id="4" name="日期占位符 3">
             <a:extLst>
               <a:ext uri="{FF2B5EF4-FFF2-40B4-BE49-F238E27FC236}">
-                <a16:creationId xmlns:a16="http://schemas.microsoft.com/office/drawing/2014/main" id="{961C84DA-A124-8A2E-72EA-C9399A632DA9}"/>
+                <a16:creationId xmlns:a16="http://schemas.microsoft.com/office/drawing/2014/main" id="{855EA28E-492E-6DC9-BA52-FBE289B17107}"/>
               </a:ext>
             </a:extLst>
           </p:cNvPr>
@@ -450,7 +450,7 @@
           <a:bodyPr/>
           <a:lstStyle/>
           <a:p>
-            <a:fld id="{EAB4CB4C-8189-460D-B864-DED9DB20B425}" type="datetimeFigureOut">
+            <a:fld id="{AC97B444-451C-40BF-A5CE-F1487967AAAE}" type="datetimeFigureOut">
               <a:rPr lang="zh-CN" altLang="en-US" smtClean="0"/>
               <a:t>2024/3/10</a:t>
             </a:fld>
@@ -463,7 +463,7 @@
           <p:cNvPr id="5" name="页脚占位符 4">
             <a:extLst>
               <a:ext uri="{FF2B5EF4-FFF2-40B4-BE49-F238E27FC236}">
-                <a16:creationId xmlns:a16="http://schemas.microsoft.com/office/drawing/2014/main" id="{57C1BFFF-0DBA-C104-761E-8A008612D371}"/>
+                <a16:creationId xmlns:a16="http://schemas.microsoft.com/office/drawing/2014/main" id="{D6D306A5-E7D3-BA01-E4EB-3DA9A07987E3}"/>
               </a:ext>
             </a:extLst>
           </p:cNvPr>
@@ -488,7 +488,7 @@
           <p:cNvPr id="6" name="灯片编号占位符 5">
             <a:extLst>
               <a:ext uri="{FF2B5EF4-FFF2-40B4-BE49-F238E27FC236}">
-                <a16:creationId xmlns:a16="http://schemas.microsoft.com/office/drawing/2014/main" id="{E56569FC-4270-1D50-9598-DE0C1627FC0D}"/>
+                <a16:creationId xmlns:a16="http://schemas.microsoft.com/office/drawing/2014/main" id="{2B87B950-53FF-C271-FD98-6E6A7454ACF5}"/>
               </a:ext>
             </a:extLst>
           </p:cNvPr>
@@ -504,7 +504,7 @@
           <a:bodyPr/>
           <a:lstStyle/>
           <a:p>
-            <a:fld id="{CDCACD70-36AD-4D5C-9D6D-ED84A0ED952B}" type="slidenum">
+            <a:fld id="{D46628BE-A6F0-4F0D-9387-BCB0A527ED5E}" type="slidenum">
               <a:rPr lang="zh-CN" altLang="en-US" smtClean="0"/>
               <a:t>‹#›</a:t>
             </a:fld>
@@ -515,7 +515,7 @@
     </p:spTree>
     <p:extLst>
       <p:ext uri="{BB962C8B-B14F-4D97-AF65-F5344CB8AC3E}">
-        <p14:creationId xmlns:p14="http://schemas.microsoft.com/office/powerpoint/2010/main" val="1718476390"/>
+        <p14:creationId xmlns:p14="http://schemas.microsoft.com/office/powerpoint/2010/main" val="1013752308"/>
       </p:ext>
     </p:extLst>
   </p:cSld>
@@ -547,7 +547,7 @@
           <p:cNvPr id="2" name="竖排标题 1">
             <a:extLst>
               <a:ext uri="{FF2B5EF4-FFF2-40B4-BE49-F238E27FC236}">
-                <a16:creationId xmlns:a16="http://schemas.microsoft.com/office/drawing/2014/main" id="{300368FE-7988-E6C6-11A0-803445634260}"/>
+                <a16:creationId xmlns:a16="http://schemas.microsoft.com/office/drawing/2014/main" id="{D9DD583B-D756-4860-6788-470E8860F12C}"/>
               </a:ext>
             </a:extLst>
           </p:cNvPr>
@@ -580,7 +580,7 @@
           <p:cNvPr id="3" name="竖排文字占位符 2">
             <a:extLst>
               <a:ext uri="{FF2B5EF4-FFF2-40B4-BE49-F238E27FC236}">
-                <a16:creationId xmlns:a16="http://schemas.microsoft.com/office/drawing/2014/main" id="{6775DC1E-88A9-014D-E201-3428C016259F}"/>
+                <a16:creationId xmlns:a16="http://schemas.microsoft.com/office/drawing/2014/main" id="{86B383AD-EEF9-875D-469F-BA2CA77B7409}"/>
               </a:ext>
             </a:extLst>
           </p:cNvPr>
@@ -642,7 +642,7 @@
           <p:cNvPr id="4" name="日期占位符 3">
             <a:extLst>
               <a:ext uri="{FF2B5EF4-FFF2-40B4-BE49-F238E27FC236}">
-                <a16:creationId xmlns:a16="http://schemas.microsoft.com/office/drawing/2014/main" id="{FDED1981-2BDE-70FF-9F1D-1CCB97974617}"/>
+                <a16:creationId xmlns:a16="http://schemas.microsoft.com/office/drawing/2014/main" id="{3F690F7A-60AC-04A7-8968-39EA65798638}"/>
               </a:ext>
             </a:extLst>
           </p:cNvPr>
@@ -658,7 +658,7 @@
           <a:bodyPr/>
           <a:lstStyle/>
           <a:p>
-            <a:fld id="{EAB4CB4C-8189-460D-B864-DED9DB20B425}" type="datetimeFigureOut">
+            <a:fld id="{AC97B444-451C-40BF-A5CE-F1487967AAAE}" type="datetimeFigureOut">
               <a:rPr lang="zh-CN" altLang="en-US" smtClean="0"/>
               <a:t>2024/3/10</a:t>
             </a:fld>
@@ -671,7 +671,7 @@
           <p:cNvPr id="5" name="页脚占位符 4">
             <a:extLst>
               <a:ext uri="{FF2B5EF4-FFF2-40B4-BE49-F238E27FC236}">
-                <a16:creationId xmlns:a16="http://schemas.microsoft.com/office/drawing/2014/main" id="{31D55573-1BA6-582E-F37C-417BB2A1B28A}"/>
+                <a16:creationId xmlns:a16="http://schemas.microsoft.com/office/drawing/2014/main" id="{426CA126-812E-55F0-2C1C-4DCA72B1D58E}"/>
               </a:ext>
             </a:extLst>
           </p:cNvPr>
@@ -696,7 +696,7 @@
           <p:cNvPr id="6" name="灯片编号占位符 5">
             <a:extLst>
               <a:ext uri="{FF2B5EF4-FFF2-40B4-BE49-F238E27FC236}">
-                <a16:creationId xmlns:a16="http://schemas.microsoft.com/office/drawing/2014/main" id="{77CAA229-3193-E8C1-8E63-B0CAAB1564AA}"/>
+                <a16:creationId xmlns:a16="http://schemas.microsoft.com/office/drawing/2014/main" id="{9F5EFFD0-2944-1947-8FB4-141B8FBDE224}"/>
               </a:ext>
             </a:extLst>
           </p:cNvPr>
@@ -712,7 +712,7 @@
           <a:bodyPr/>
           <a:lstStyle/>
           <a:p>
-            <a:fld id="{CDCACD70-36AD-4D5C-9D6D-ED84A0ED952B}" type="slidenum">
+            <a:fld id="{D46628BE-A6F0-4F0D-9387-BCB0A527ED5E}" type="slidenum">
               <a:rPr lang="zh-CN" altLang="en-US" smtClean="0"/>
               <a:t>‹#›</a:t>
             </a:fld>
@@ -723,7 +723,7 @@
     </p:spTree>
     <p:extLst>
       <p:ext uri="{BB962C8B-B14F-4D97-AF65-F5344CB8AC3E}">
-        <p14:creationId xmlns:p14="http://schemas.microsoft.com/office/powerpoint/2010/main" val="318090622"/>
+        <p14:creationId xmlns:p14="http://schemas.microsoft.com/office/powerpoint/2010/main" val="2944640504"/>
       </p:ext>
     </p:extLst>
   </p:cSld>
@@ -755,7 +755,7 @@
           <p:cNvPr id="2" name="标题 1">
             <a:extLst>
               <a:ext uri="{FF2B5EF4-FFF2-40B4-BE49-F238E27FC236}">
-                <a16:creationId xmlns:a16="http://schemas.microsoft.com/office/drawing/2014/main" id="{41192F01-4756-4C50-443C-3C35D6B21354}"/>
+                <a16:creationId xmlns:a16="http://schemas.microsoft.com/office/drawing/2014/main" id="{8D040B82-43CE-6171-36F4-8C596751E2C3}"/>
               </a:ext>
             </a:extLst>
           </p:cNvPr>
@@ -783,7 +783,7 @@
           <p:cNvPr id="3" name="内容占位符 2">
             <a:extLst>
               <a:ext uri="{FF2B5EF4-FFF2-40B4-BE49-F238E27FC236}">
-                <a16:creationId xmlns:a16="http://schemas.microsoft.com/office/drawing/2014/main" id="{0ADFB03C-3360-0DA3-A0EE-47AEC51CC5E1}"/>
+                <a16:creationId xmlns:a16="http://schemas.microsoft.com/office/drawing/2014/main" id="{99037300-E324-C986-A66F-E1981F293EFB}"/>
               </a:ext>
             </a:extLst>
           </p:cNvPr>
@@ -840,7 +840,7 @@
           <p:cNvPr id="4" name="日期占位符 3">
             <a:extLst>
               <a:ext uri="{FF2B5EF4-FFF2-40B4-BE49-F238E27FC236}">
-                <a16:creationId xmlns:a16="http://schemas.microsoft.com/office/drawing/2014/main" id="{E68FD9FC-EB19-E811-C69A-EC565DCCFDC2}"/>
+                <a16:creationId xmlns:a16="http://schemas.microsoft.com/office/drawing/2014/main" id="{74C32E5F-B4A3-D65C-A6AE-79B6ABC85B62}"/>
               </a:ext>
             </a:extLst>
           </p:cNvPr>
@@ -856,7 +856,7 @@
           <a:bodyPr/>
           <a:lstStyle/>
           <a:p>
-            <a:fld id="{EAB4CB4C-8189-460D-B864-DED9DB20B425}" type="datetimeFigureOut">
+            <a:fld id="{AC97B444-451C-40BF-A5CE-F1487967AAAE}" type="datetimeFigureOut">
               <a:rPr lang="zh-CN" altLang="en-US" smtClean="0"/>
               <a:t>2024/3/10</a:t>
             </a:fld>
@@ -869,7 +869,7 @@
           <p:cNvPr id="5" name="页脚占位符 4">
             <a:extLst>
               <a:ext uri="{FF2B5EF4-FFF2-40B4-BE49-F238E27FC236}">
-                <a16:creationId xmlns:a16="http://schemas.microsoft.com/office/drawing/2014/main" id="{16E94300-6A44-FADC-4830-889370535CD3}"/>
+                <a16:creationId xmlns:a16="http://schemas.microsoft.com/office/drawing/2014/main" id="{B6CB5AC7-D873-0EE7-3155-3F99CA40E31C}"/>
               </a:ext>
             </a:extLst>
           </p:cNvPr>
@@ -894,7 +894,7 @@
           <p:cNvPr id="6" name="灯片编号占位符 5">
             <a:extLst>
               <a:ext uri="{FF2B5EF4-FFF2-40B4-BE49-F238E27FC236}">
-                <a16:creationId xmlns:a16="http://schemas.microsoft.com/office/drawing/2014/main" id="{61FCA20D-F949-FE5F-7EC3-389632E20AAC}"/>
+                <a16:creationId xmlns:a16="http://schemas.microsoft.com/office/drawing/2014/main" id="{CAA1517A-1825-EE37-86D1-DE8773AEB16C}"/>
               </a:ext>
             </a:extLst>
           </p:cNvPr>
@@ -910,7 +910,7 @@
           <a:bodyPr/>
           <a:lstStyle/>
           <a:p>
-            <a:fld id="{CDCACD70-36AD-4D5C-9D6D-ED84A0ED952B}" type="slidenum">
+            <a:fld id="{D46628BE-A6F0-4F0D-9387-BCB0A527ED5E}" type="slidenum">
               <a:rPr lang="zh-CN" altLang="en-US" smtClean="0"/>
               <a:t>‹#›</a:t>
             </a:fld>
@@ -921,7 +921,7 @@
     </p:spTree>
     <p:extLst>
       <p:ext uri="{BB962C8B-B14F-4D97-AF65-F5344CB8AC3E}">
-        <p14:creationId xmlns:p14="http://schemas.microsoft.com/office/powerpoint/2010/main" val="2742050198"/>
+        <p14:creationId xmlns:p14="http://schemas.microsoft.com/office/powerpoint/2010/main" val="1266237547"/>
       </p:ext>
     </p:extLst>
   </p:cSld>
@@ -953,7 +953,7 @@
           <p:cNvPr id="2" name="标题 1">
             <a:extLst>
               <a:ext uri="{FF2B5EF4-FFF2-40B4-BE49-F238E27FC236}">
-                <a16:creationId xmlns:a16="http://schemas.microsoft.com/office/drawing/2014/main" id="{C4EDD0FF-F2BC-1B98-58F2-6175438BBCC5}"/>
+                <a16:creationId xmlns:a16="http://schemas.microsoft.com/office/drawing/2014/main" id="{1A053AD0-30EA-C150-91A2-FDC1FC86AE4E}"/>
               </a:ext>
             </a:extLst>
           </p:cNvPr>
@@ -990,7 +990,7 @@
           <p:cNvPr id="3" name="文本占位符 2">
             <a:extLst>
               <a:ext uri="{FF2B5EF4-FFF2-40B4-BE49-F238E27FC236}">
-                <a16:creationId xmlns:a16="http://schemas.microsoft.com/office/drawing/2014/main" id="{11597A4E-68E2-692F-C1D9-FCAAFD4F4944}"/>
+                <a16:creationId xmlns:a16="http://schemas.microsoft.com/office/drawing/2014/main" id="{F34FD1DE-93CB-3228-EC5F-D69B7B4BABA3}"/>
               </a:ext>
             </a:extLst>
           </p:cNvPr>
@@ -1115,7 +1115,7 @@
           <p:cNvPr id="4" name="日期占位符 3">
             <a:extLst>
               <a:ext uri="{FF2B5EF4-FFF2-40B4-BE49-F238E27FC236}">
-                <a16:creationId xmlns:a16="http://schemas.microsoft.com/office/drawing/2014/main" id="{D67CCA43-0073-7280-103C-8D636139589C}"/>
+                <a16:creationId xmlns:a16="http://schemas.microsoft.com/office/drawing/2014/main" id="{C5A14FA0-5801-29CE-51FE-8384E4231112}"/>
               </a:ext>
             </a:extLst>
           </p:cNvPr>
@@ -1131,7 +1131,7 @@
           <a:bodyPr/>
           <a:lstStyle/>
           <a:p>
-            <a:fld id="{EAB4CB4C-8189-460D-B864-DED9DB20B425}" type="datetimeFigureOut">
+            <a:fld id="{AC97B444-451C-40BF-A5CE-F1487967AAAE}" type="datetimeFigureOut">
               <a:rPr lang="zh-CN" altLang="en-US" smtClean="0"/>
               <a:t>2024/3/10</a:t>
             </a:fld>
@@ -1144,7 +1144,7 @@
           <p:cNvPr id="5" name="页脚占位符 4">
             <a:extLst>
               <a:ext uri="{FF2B5EF4-FFF2-40B4-BE49-F238E27FC236}">
-                <a16:creationId xmlns:a16="http://schemas.microsoft.com/office/drawing/2014/main" id="{8FBB1705-F80A-6A31-506C-D552D7823895}"/>
+                <a16:creationId xmlns:a16="http://schemas.microsoft.com/office/drawing/2014/main" id="{0783572E-7BDF-0528-AD97-394035B964B3}"/>
               </a:ext>
             </a:extLst>
           </p:cNvPr>
@@ -1169,7 +1169,7 @@
           <p:cNvPr id="6" name="灯片编号占位符 5">
             <a:extLst>
               <a:ext uri="{FF2B5EF4-FFF2-40B4-BE49-F238E27FC236}">
-                <a16:creationId xmlns:a16="http://schemas.microsoft.com/office/drawing/2014/main" id="{9B099D1A-F8F1-FC75-95C6-B9834AE81C4F}"/>
+                <a16:creationId xmlns:a16="http://schemas.microsoft.com/office/drawing/2014/main" id="{02BAB0A7-8831-A67A-5002-72D3947351EB}"/>
               </a:ext>
             </a:extLst>
           </p:cNvPr>
@@ -1185,7 +1185,7 @@
           <a:bodyPr/>
           <a:lstStyle/>
           <a:p>
-            <a:fld id="{CDCACD70-36AD-4D5C-9D6D-ED84A0ED952B}" type="slidenum">
+            <a:fld id="{D46628BE-A6F0-4F0D-9387-BCB0A527ED5E}" type="slidenum">
               <a:rPr lang="zh-CN" altLang="en-US" smtClean="0"/>
               <a:t>‹#›</a:t>
             </a:fld>
@@ -1196,7 +1196,7 @@
     </p:spTree>
     <p:extLst>
       <p:ext uri="{BB962C8B-B14F-4D97-AF65-F5344CB8AC3E}">
-        <p14:creationId xmlns:p14="http://schemas.microsoft.com/office/powerpoint/2010/main" val="150349148"/>
+        <p14:creationId xmlns:p14="http://schemas.microsoft.com/office/powerpoint/2010/main" val="2291111243"/>
       </p:ext>
     </p:extLst>
   </p:cSld>
@@ -1228,7 +1228,7 @@
           <p:cNvPr id="2" name="标题 1">
             <a:extLst>
               <a:ext uri="{FF2B5EF4-FFF2-40B4-BE49-F238E27FC236}">
-                <a16:creationId xmlns:a16="http://schemas.microsoft.com/office/drawing/2014/main" id="{7B17B9EC-5593-E4EE-37F3-AD34B69D95B2}"/>
+                <a16:creationId xmlns:a16="http://schemas.microsoft.com/office/drawing/2014/main" id="{3D409AD1-5211-9EDD-0950-D75AE6F2C015}"/>
               </a:ext>
             </a:extLst>
           </p:cNvPr>
@@ -1256,7 +1256,7 @@
           <p:cNvPr id="3" name="内容占位符 2">
             <a:extLst>
               <a:ext uri="{FF2B5EF4-FFF2-40B4-BE49-F238E27FC236}">
-                <a16:creationId xmlns:a16="http://schemas.microsoft.com/office/drawing/2014/main" id="{14B41311-4B82-3518-D58F-781CD3DB4D6A}"/>
+                <a16:creationId xmlns:a16="http://schemas.microsoft.com/office/drawing/2014/main" id="{ADBB7FDB-A5A2-DFA5-0F5D-8E8A5C41F819}"/>
               </a:ext>
             </a:extLst>
           </p:cNvPr>
@@ -1318,7 +1318,7 @@
           <p:cNvPr id="4" name="内容占位符 3">
             <a:extLst>
               <a:ext uri="{FF2B5EF4-FFF2-40B4-BE49-F238E27FC236}">
-                <a16:creationId xmlns:a16="http://schemas.microsoft.com/office/drawing/2014/main" id="{89EBF111-6621-17CB-9A1B-93AAEF429410}"/>
+                <a16:creationId xmlns:a16="http://schemas.microsoft.com/office/drawing/2014/main" id="{F55918FB-ED72-BA18-CB3A-6FAD73EF0AD2}"/>
               </a:ext>
             </a:extLst>
           </p:cNvPr>
@@ -1380,7 +1380,7 @@
           <p:cNvPr id="5" name="日期占位符 4">
             <a:extLst>
               <a:ext uri="{FF2B5EF4-FFF2-40B4-BE49-F238E27FC236}">
-                <a16:creationId xmlns:a16="http://schemas.microsoft.com/office/drawing/2014/main" id="{1BC8BF75-3639-8C42-A8A5-C2BF393E3C68}"/>
+                <a16:creationId xmlns:a16="http://schemas.microsoft.com/office/drawing/2014/main" id="{2F3CD8AA-0B77-6464-B504-EB570ED7D8B7}"/>
               </a:ext>
             </a:extLst>
           </p:cNvPr>
@@ -1396,7 +1396,7 @@
           <a:bodyPr/>
           <a:lstStyle/>
           <a:p>
-            <a:fld id="{EAB4CB4C-8189-460D-B864-DED9DB20B425}" type="datetimeFigureOut">
+            <a:fld id="{AC97B444-451C-40BF-A5CE-F1487967AAAE}" type="datetimeFigureOut">
               <a:rPr lang="zh-CN" altLang="en-US" smtClean="0"/>
               <a:t>2024/3/10</a:t>
             </a:fld>
@@ -1409,7 +1409,7 @@
           <p:cNvPr id="6" name="页脚占位符 5">
             <a:extLst>
               <a:ext uri="{FF2B5EF4-FFF2-40B4-BE49-F238E27FC236}">
-                <a16:creationId xmlns:a16="http://schemas.microsoft.com/office/drawing/2014/main" id="{2BD5C26C-6A2C-A0B1-A259-1D77115B7239}"/>
+                <a16:creationId xmlns:a16="http://schemas.microsoft.com/office/drawing/2014/main" id="{5B74A2F3-E947-FF39-D26E-781F89D4BC10}"/>
               </a:ext>
             </a:extLst>
           </p:cNvPr>
@@ -1434,7 +1434,7 @@
           <p:cNvPr id="7" name="灯片编号占位符 6">
             <a:extLst>
               <a:ext uri="{FF2B5EF4-FFF2-40B4-BE49-F238E27FC236}">
-                <a16:creationId xmlns:a16="http://schemas.microsoft.com/office/drawing/2014/main" id="{CD39322E-9CA6-A41C-8C26-EEC42B5F512C}"/>
+                <a16:creationId xmlns:a16="http://schemas.microsoft.com/office/drawing/2014/main" id="{90AA9B53-E1F0-16E6-E482-AA4E057488DD}"/>
               </a:ext>
             </a:extLst>
           </p:cNvPr>
@@ -1450,7 +1450,7 @@
           <a:bodyPr/>
           <a:lstStyle/>
           <a:p>
-            <a:fld id="{CDCACD70-36AD-4D5C-9D6D-ED84A0ED952B}" type="slidenum">
+            <a:fld id="{D46628BE-A6F0-4F0D-9387-BCB0A527ED5E}" type="slidenum">
               <a:rPr lang="zh-CN" altLang="en-US" smtClean="0"/>
               <a:t>‹#›</a:t>
             </a:fld>
@@ -1461,7 +1461,7 @@
     </p:spTree>
     <p:extLst>
       <p:ext uri="{BB962C8B-B14F-4D97-AF65-F5344CB8AC3E}">
-        <p14:creationId xmlns:p14="http://schemas.microsoft.com/office/powerpoint/2010/main" val="817266289"/>
+        <p14:creationId xmlns:p14="http://schemas.microsoft.com/office/powerpoint/2010/main" val="1817872696"/>
       </p:ext>
     </p:extLst>
   </p:cSld>
@@ -1493,7 +1493,7 @@
           <p:cNvPr id="2" name="标题 1">
             <a:extLst>
               <a:ext uri="{FF2B5EF4-FFF2-40B4-BE49-F238E27FC236}">
-                <a16:creationId xmlns:a16="http://schemas.microsoft.com/office/drawing/2014/main" id="{36B10D9D-D8EB-4D49-1852-285BF4D2DE49}"/>
+                <a16:creationId xmlns:a16="http://schemas.microsoft.com/office/drawing/2014/main" id="{EBAD3A89-2A79-4AD8-7328-F9594DAB6774}"/>
               </a:ext>
             </a:extLst>
           </p:cNvPr>
@@ -1526,7 +1526,7 @@
           <p:cNvPr id="3" name="文本占位符 2">
             <a:extLst>
               <a:ext uri="{FF2B5EF4-FFF2-40B4-BE49-F238E27FC236}">
-                <a16:creationId xmlns:a16="http://schemas.microsoft.com/office/drawing/2014/main" id="{CD58F8E0-E664-EBC3-6D64-E3FE1A70ABA7}"/>
+                <a16:creationId xmlns:a16="http://schemas.microsoft.com/office/drawing/2014/main" id="{6C6A805F-6D52-FA51-B404-6C2516339943}"/>
               </a:ext>
             </a:extLst>
           </p:cNvPr>
@@ -1597,7 +1597,7 @@
           <p:cNvPr id="4" name="内容占位符 3">
             <a:extLst>
               <a:ext uri="{FF2B5EF4-FFF2-40B4-BE49-F238E27FC236}">
-                <a16:creationId xmlns:a16="http://schemas.microsoft.com/office/drawing/2014/main" id="{675BBE66-FD85-0F14-3846-5A2550500BE8}"/>
+                <a16:creationId xmlns:a16="http://schemas.microsoft.com/office/drawing/2014/main" id="{C7F196EE-12BE-7416-EEFB-38C1E646CEFF}"/>
               </a:ext>
             </a:extLst>
           </p:cNvPr>
@@ -1659,7 +1659,7 @@
           <p:cNvPr id="5" name="文本占位符 4">
             <a:extLst>
               <a:ext uri="{FF2B5EF4-FFF2-40B4-BE49-F238E27FC236}">
-                <a16:creationId xmlns:a16="http://schemas.microsoft.com/office/drawing/2014/main" id="{DA7D8366-07A7-CB50-20A1-75C8405356B2}"/>
+                <a16:creationId xmlns:a16="http://schemas.microsoft.com/office/drawing/2014/main" id="{09C05E6C-5469-5AD0-39DF-F0AFE20F1FE9}"/>
               </a:ext>
             </a:extLst>
           </p:cNvPr>
@@ -1730,7 +1730,7 @@
           <p:cNvPr id="6" name="内容占位符 5">
             <a:extLst>
               <a:ext uri="{FF2B5EF4-FFF2-40B4-BE49-F238E27FC236}">
-                <a16:creationId xmlns:a16="http://schemas.microsoft.com/office/drawing/2014/main" id="{CE102D92-4F4D-78BE-0E5A-CF79F2B55DAA}"/>
+                <a16:creationId xmlns:a16="http://schemas.microsoft.com/office/drawing/2014/main" id="{2D411971-0FF1-FC1A-5F1F-C354954DDFC2}"/>
               </a:ext>
             </a:extLst>
           </p:cNvPr>
@@ -1792,7 +1792,7 @@
           <p:cNvPr id="7" name="日期占位符 6">
             <a:extLst>
               <a:ext uri="{FF2B5EF4-FFF2-40B4-BE49-F238E27FC236}">
-                <a16:creationId xmlns:a16="http://schemas.microsoft.com/office/drawing/2014/main" id="{3507BB61-5DFE-2843-8FDE-4036396C3B3D}"/>
+                <a16:creationId xmlns:a16="http://schemas.microsoft.com/office/drawing/2014/main" id="{23FF0E5D-378D-64CD-A339-8643DC769562}"/>
               </a:ext>
             </a:extLst>
           </p:cNvPr>
@@ -1808,7 +1808,7 @@
           <a:bodyPr/>
           <a:lstStyle/>
           <a:p>
-            <a:fld id="{EAB4CB4C-8189-460D-B864-DED9DB20B425}" type="datetimeFigureOut">
+            <a:fld id="{AC97B444-451C-40BF-A5CE-F1487967AAAE}" type="datetimeFigureOut">
               <a:rPr lang="zh-CN" altLang="en-US" smtClean="0"/>
               <a:t>2024/3/10</a:t>
             </a:fld>
@@ -1821,7 +1821,7 @@
           <p:cNvPr id="8" name="页脚占位符 7">
             <a:extLst>
               <a:ext uri="{FF2B5EF4-FFF2-40B4-BE49-F238E27FC236}">
-                <a16:creationId xmlns:a16="http://schemas.microsoft.com/office/drawing/2014/main" id="{E806B774-C562-2E24-BCB7-9A3556A85CA1}"/>
+                <a16:creationId xmlns:a16="http://schemas.microsoft.com/office/drawing/2014/main" id="{E836CF9C-ACF0-F6D8-26D9-81DC988C061E}"/>
               </a:ext>
             </a:extLst>
           </p:cNvPr>
@@ -1846,7 +1846,7 @@
           <p:cNvPr id="9" name="灯片编号占位符 8">
             <a:extLst>
               <a:ext uri="{FF2B5EF4-FFF2-40B4-BE49-F238E27FC236}">
-                <a16:creationId xmlns:a16="http://schemas.microsoft.com/office/drawing/2014/main" id="{DA788D6E-B3F0-E12C-04C2-02DA7118A083}"/>
+                <a16:creationId xmlns:a16="http://schemas.microsoft.com/office/drawing/2014/main" id="{CB14C483-FDF5-7842-CA9E-ECB4719FBAEC}"/>
               </a:ext>
             </a:extLst>
           </p:cNvPr>
@@ -1862,7 +1862,7 @@
           <a:bodyPr/>
           <a:lstStyle/>
           <a:p>
-            <a:fld id="{CDCACD70-36AD-4D5C-9D6D-ED84A0ED952B}" type="slidenum">
+            <a:fld id="{D46628BE-A6F0-4F0D-9387-BCB0A527ED5E}" type="slidenum">
               <a:rPr lang="zh-CN" altLang="en-US" smtClean="0"/>
               <a:t>‹#›</a:t>
             </a:fld>
@@ -1873,7 +1873,7 @@
     </p:spTree>
     <p:extLst>
       <p:ext uri="{BB962C8B-B14F-4D97-AF65-F5344CB8AC3E}">
-        <p14:creationId xmlns:p14="http://schemas.microsoft.com/office/powerpoint/2010/main" val="3447299299"/>
+        <p14:creationId xmlns:p14="http://schemas.microsoft.com/office/powerpoint/2010/main" val="3455256117"/>
       </p:ext>
     </p:extLst>
   </p:cSld>
@@ -1905,7 +1905,7 @@
           <p:cNvPr id="2" name="标题 1">
             <a:extLst>
               <a:ext uri="{FF2B5EF4-FFF2-40B4-BE49-F238E27FC236}">
-                <a16:creationId xmlns:a16="http://schemas.microsoft.com/office/drawing/2014/main" id="{B2EC3340-55DC-2CF6-0D77-9484AAF26334}"/>
+                <a16:creationId xmlns:a16="http://schemas.microsoft.com/office/drawing/2014/main" id="{5A47EB80-9055-E84B-296F-83D6262E05EB}"/>
               </a:ext>
             </a:extLst>
           </p:cNvPr>
@@ -1933,7 +1933,7 @@
           <p:cNvPr id="3" name="日期占位符 2">
             <a:extLst>
               <a:ext uri="{FF2B5EF4-FFF2-40B4-BE49-F238E27FC236}">
-                <a16:creationId xmlns:a16="http://schemas.microsoft.com/office/drawing/2014/main" id="{B01B790B-4C35-6DC8-2B11-94FCBAAE9C37}"/>
+                <a16:creationId xmlns:a16="http://schemas.microsoft.com/office/drawing/2014/main" id="{4B2CEAA2-FC1E-3FF7-F793-DB26C43B1EAA}"/>
               </a:ext>
             </a:extLst>
           </p:cNvPr>
@@ -1949,7 +1949,7 @@
           <a:bodyPr/>
           <a:lstStyle/>
           <a:p>
-            <a:fld id="{EAB4CB4C-8189-460D-B864-DED9DB20B425}" type="datetimeFigureOut">
+            <a:fld id="{AC97B444-451C-40BF-A5CE-F1487967AAAE}" type="datetimeFigureOut">
               <a:rPr lang="zh-CN" altLang="en-US" smtClean="0"/>
               <a:t>2024/3/10</a:t>
             </a:fld>
@@ -1962,7 +1962,7 @@
           <p:cNvPr id="4" name="页脚占位符 3">
             <a:extLst>
               <a:ext uri="{FF2B5EF4-FFF2-40B4-BE49-F238E27FC236}">
-                <a16:creationId xmlns:a16="http://schemas.microsoft.com/office/drawing/2014/main" id="{1AD4B33B-EDB8-14B4-3872-1802906812DF}"/>
+                <a16:creationId xmlns:a16="http://schemas.microsoft.com/office/drawing/2014/main" id="{0234A1E0-272D-4EF5-362E-FE5ADA97B016}"/>
               </a:ext>
             </a:extLst>
           </p:cNvPr>
@@ -1987,7 +1987,7 @@
           <p:cNvPr id="5" name="灯片编号占位符 4">
             <a:extLst>
               <a:ext uri="{FF2B5EF4-FFF2-40B4-BE49-F238E27FC236}">
-                <a16:creationId xmlns:a16="http://schemas.microsoft.com/office/drawing/2014/main" id="{0E39EEC8-F5F0-EF74-499E-C42429D8B458}"/>
+                <a16:creationId xmlns:a16="http://schemas.microsoft.com/office/drawing/2014/main" id="{D0A979E1-5C7D-86F6-A557-E61B4046C7D5}"/>
               </a:ext>
             </a:extLst>
           </p:cNvPr>
@@ -2003,7 +2003,7 @@
           <a:bodyPr/>
           <a:lstStyle/>
           <a:p>
-            <a:fld id="{CDCACD70-36AD-4D5C-9D6D-ED84A0ED952B}" type="slidenum">
+            <a:fld id="{D46628BE-A6F0-4F0D-9387-BCB0A527ED5E}" type="slidenum">
               <a:rPr lang="zh-CN" altLang="en-US" smtClean="0"/>
               <a:t>‹#›</a:t>
             </a:fld>
@@ -2014,7 +2014,7 @@
     </p:spTree>
     <p:extLst>
       <p:ext uri="{BB962C8B-B14F-4D97-AF65-F5344CB8AC3E}">
-        <p14:creationId xmlns:p14="http://schemas.microsoft.com/office/powerpoint/2010/main" val="3791691660"/>
+        <p14:creationId xmlns:p14="http://schemas.microsoft.com/office/powerpoint/2010/main" val="3009812747"/>
       </p:ext>
     </p:extLst>
   </p:cSld>
@@ -2046,7 +2046,7 @@
           <p:cNvPr id="2" name="日期占位符 1">
             <a:extLst>
               <a:ext uri="{FF2B5EF4-FFF2-40B4-BE49-F238E27FC236}">
-                <a16:creationId xmlns:a16="http://schemas.microsoft.com/office/drawing/2014/main" id="{9E97DE26-83F3-9C1C-04F0-4BC2B2F69D55}"/>
+                <a16:creationId xmlns:a16="http://schemas.microsoft.com/office/drawing/2014/main" id="{C3D34D12-B39A-8BDB-ECC3-00E485E9950E}"/>
               </a:ext>
             </a:extLst>
           </p:cNvPr>
@@ -2062,7 +2062,7 @@
           <a:bodyPr/>
           <a:lstStyle/>
           <a:p>
-            <a:fld id="{EAB4CB4C-8189-460D-B864-DED9DB20B425}" type="datetimeFigureOut">
+            <a:fld id="{AC97B444-451C-40BF-A5CE-F1487967AAAE}" type="datetimeFigureOut">
               <a:rPr lang="zh-CN" altLang="en-US" smtClean="0"/>
               <a:t>2024/3/10</a:t>
             </a:fld>
@@ -2075,7 +2075,7 @@
           <p:cNvPr id="3" name="页脚占位符 2">
             <a:extLst>
               <a:ext uri="{FF2B5EF4-FFF2-40B4-BE49-F238E27FC236}">
-                <a16:creationId xmlns:a16="http://schemas.microsoft.com/office/drawing/2014/main" id="{FB123F12-CA3C-200D-5A45-BA00DF636D27}"/>
+                <a16:creationId xmlns:a16="http://schemas.microsoft.com/office/drawing/2014/main" id="{499686C7-DF3D-2280-E288-C86216183671}"/>
               </a:ext>
             </a:extLst>
           </p:cNvPr>
@@ -2100,7 +2100,7 @@
           <p:cNvPr id="4" name="灯片编号占位符 3">
             <a:extLst>
               <a:ext uri="{FF2B5EF4-FFF2-40B4-BE49-F238E27FC236}">
-                <a16:creationId xmlns:a16="http://schemas.microsoft.com/office/drawing/2014/main" id="{CACB50B8-EE5D-74D8-1D3C-DB36BA0C98CE}"/>
+                <a16:creationId xmlns:a16="http://schemas.microsoft.com/office/drawing/2014/main" id="{39C54513-6102-4D09-8F34-2EE3676E30C7}"/>
               </a:ext>
             </a:extLst>
           </p:cNvPr>
@@ -2116,7 +2116,7 @@
           <a:bodyPr/>
           <a:lstStyle/>
           <a:p>
-            <a:fld id="{CDCACD70-36AD-4D5C-9D6D-ED84A0ED952B}" type="slidenum">
+            <a:fld id="{D46628BE-A6F0-4F0D-9387-BCB0A527ED5E}" type="slidenum">
               <a:rPr lang="zh-CN" altLang="en-US" smtClean="0"/>
               <a:t>‹#›</a:t>
             </a:fld>
@@ -2127,7 +2127,7 @@
     </p:spTree>
     <p:extLst>
       <p:ext uri="{BB962C8B-B14F-4D97-AF65-F5344CB8AC3E}">
-        <p14:creationId xmlns:p14="http://schemas.microsoft.com/office/powerpoint/2010/main" val="2402982748"/>
+        <p14:creationId xmlns:p14="http://schemas.microsoft.com/office/powerpoint/2010/main" val="1901067924"/>
       </p:ext>
     </p:extLst>
   </p:cSld>
@@ -2159,7 +2159,7 @@
           <p:cNvPr id="2" name="标题 1">
             <a:extLst>
               <a:ext uri="{FF2B5EF4-FFF2-40B4-BE49-F238E27FC236}">
-                <a16:creationId xmlns:a16="http://schemas.microsoft.com/office/drawing/2014/main" id="{0DF33968-22F2-EB70-1444-83D9C2A20042}"/>
+                <a16:creationId xmlns:a16="http://schemas.microsoft.com/office/drawing/2014/main" id="{207B7811-0552-2D13-AFE5-8AAC1D4D1BC4}"/>
               </a:ext>
             </a:extLst>
           </p:cNvPr>
@@ -2196,7 +2196,7 @@
           <p:cNvPr id="3" name="内容占位符 2">
             <a:extLst>
               <a:ext uri="{FF2B5EF4-FFF2-40B4-BE49-F238E27FC236}">
-                <a16:creationId xmlns:a16="http://schemas.microsoft.com/office/drawing/2014/main" id="{3AE567F4-0250-F511-CBFE-03DFCCDF197D}"/>
+                <a16:creationId xmlns:a16="http://schemas.microsoft.com/office/drawing/2014/main" id="{C2DBADA3-5D42-52A6-AB69-3099D0B517EC}"/>
               </a:ext>
             </a:extLst>
           </p:cNvPr>
@@ -2286,7 +2286,7 @@
           <p:cNvPr id="4" name="文本占位符 3">
             <a:extLst>
               <a:ext uri="{FF2B5EF4-FFF2-40B4-BE49-F238E27FC236}">
-                <a16:creationId xmlns:a16="http://schemas.microsoft.com/office/drawing/2014/main" id="{E505889A-5C1F-729E-F173-FF3526ABBA00}"/>
+                <a16:creationId xmlns:a16="http://schemas.microsoft.com/office/drawing/2014/main" id="{E6AA500B-5D00-01E6-593D-419C593AAE24}"/>
               </a:ext>
             </a:extLst>
           </p:cNvPr>
@@ -2357,7 +2357,7 @@
           <p:cNvPr id="5" name="日期占位符 4">
             <a:extLst>
               <a:ext uri="{FF2B5EF4-FFF2-40B4-BE49-F238E27FC236}">
-                <a16:creationId xmlns:a16="http://schemas.microsoft.com/office/drawing/2014/main" id="{119770EC-8F39-52DE-9748-6FCBC966DA65}"/>
+                <a16:creationId xmlns:a16="http://schemas.microsoft.com/office/drawing/2014/main" id="{ED4F3677-0E83-D51C-A0AA-F0D697A53A2B}"/>
               </a:ext>
             </a:extLst>
           </p:cNvPr>
@@ -2373,7 +2373,7 @@
           <a:bodyPr/>
           <a:lstStyle/>
           <a:p>
-            <a:fld id="{EAB4CB4C-8189-460D-B864-DED9DB20B425}" type="datetimeFigureOut">
+            <a:fld id="{AC97B444-451C-40BF-A5CE-F1487967AAAE}" type="datetimeFigureOut">
               <a:rPr lang="zh-CN" altLang="en-US" smtClean="0"/>
               <a:t>2024/3/10</a:t>
             </a:fld>
@@ -2386,7 +2386,7 @@
           <p:cNvPr id="6" name="页脚占位符 5">
             <a:extLst>
               <a:ext uri="{FF2B5EF4-FFF2-40B4-BE49-F238E27FC236}">
-                <a16:creationId xmlns:a16="http://schemas.microsoft.com/office/drawing/2014/main" id="{DCA01B71-8D2B-64BA-4D24-5039D8381F13}"/>
+                <a16:creationId xmlns:a16="http://schemas.microsoft.com/office/drawing/2014/main" id="{9A4B308D-4855-685D-703B-F4A839BFED8D}"/>
               </a:ext>
             </a:extLst>
           </p:cNvPr>
@@ -2411,7 +2411,7 @@
           <p:cNvPr id="7" name="灯片编号占位符 6">
             <a:extLst>
               <a:ext uri="{FF2B5EF4-FFF2-40B4-BE49-F238E27FC236}">
-                <a16:creationId xmlns:a16="http://schemas.microsoft.com/office/drawing/2014/main" id="{90220983-839F-6674-793A-C0516A6F5459}"/>
+                <a16:creationId xmlns:a16="http://schemas.microsoft.com/office/drawing/2014/main" id="{0A53C960-C1F1-F1B5-4527-ADE5C92BF4C5}"/>
               </a:ext>
             </a:extLst>
           </p:cNvPr>
@@ -2427,7 +2427,7 @@
           <a:bodyPr/>
           <a:lstStyle/>
           <a:p>
-            <a:fld id="{CDCACD70-36AD-4D5C-9D6D-ED84A0ED952B}" type="slidenum">
+            <a:fld id="{D46628BE-A6F0-4F0D-9387-BCB0A527ED5E}" type="slidenum">
               <a:rPr lang="zh-CN" altLang="en-US" smtClean="0"/>
               <a:t>‹#›</a:t>
             </a:fld>
@@ -2438,7 +2438,7 @@
     </p:spTree>
     <p:extLst>
       <p:ext uri="{BB962C8B-B14F-4D97-AF65-F5344CB8AC3E}">
-        <p14:creationId xmlns:p14="http://schemas.microsoft.com/office/powerpoint/2010/main" val="3531897197"/>
+        <p14:creationId xmlns:p14="http://schemas.microsoft.com/office/powerpoint/2010/main" val="1263665879"/>
       </p:ext>
     </p:extLst>
   </p:cSld>
@@ -2470,7 +2470,7 @@
           <p:cNvPr id="2" name="标题 1">
             <a:extLst>
               <a:ext uri="{FF2B5EF4-FFF2-40B4-BE49-F238E27FC236}">
-                <a16:creationId xmlns:a16="http://schemas.microsoft.com/office/drawing/2014/main" id="{62AE7D92-0063-F8DF-886C-E8E84F424D25}"/>
+                <a16:creationId xmlns:a16="http://schemas.microsoft.com/office/drawing/2014/main" id="{DB42B389-6546-0A9A-7330-177AB9AC6474}"/>
               </a:ext>
             </a:extLst>
           </p:cNvPr>
@@ -2507,7 +2507,7 @@
           <p:cNvPr id="3" name="图片占位符 2">
             <a:extLst>
               <a:ext uri="{FF2B5EF4-FFF2-40B4-BE49-F238E27FC236}">
-                <a16:creationId xmlns:a16="http://schemas.microsoft.com/office/drawing/2014/main" id="{26C4365F-5359-9835-27E0-22CDB657077D}"/>
+                <a16:creationId xmlns:a16="http://schemas.microsoft.com/office/drawing/2014/main" id="{7353C10E-5CB9-3E27-6A15-4C4009E95729}"/>
               </a:ext>
             </a:extLst>
           </p:cNvPr>
@@ -2574,7 +2574,7 @@
           <p:cNvPr id="4" name="文本占位符 3">
             <a:extLst>
               <a:ext uri="{FF2B5EF4-FFF2-40B4-BE49-F238E27FC236}">
-                <a16:creationId xmlns:a16="http://schemas.microsoft.com/office/drawing/2014/main" id="{9DCE19FB-9117-1F34-F4ED-5895D10D0A2A}"/>
+                <a16:creationId xmlns:a16="http://schemas.microsoft.com/office/drawing/2014/main" id="{D7815094-63DF-BB65-3345-A4CADE929C3E}"/>
               </a:ext>
             </a:extLst>
           </p:cNvPr>
@@ -2645,7 +2645,7 @@
           <p:cNvPr id="5" name="日期占位符 4">
             <a:extLst>
               <a:ext uri="{FF2B5EF4-FFF2-40B4-BE49-F238E27FC236}">
-                <a16:creationId xmlns:a16="http://schemas.microsoft.com/office/drawing/2014/main" id="{97354B67-35D4-6CBB-05C1-A9633B5026D4}"/>
+                <a16:creationId xmlns:a16="http://schemas.microsoft.com/office/drawing/2014/main" id="{DF37C186-F0A9-9E4B-4249-D079E9E6672D}"/>
               </a:ext>
             </a:extLst>
           </p:cNvPr>
@@ -2661,7 +2661,7 @@
           <a:bodyPr/>
           <a:lstStyle/>
           <a:p>
-            <a:fld id="{EAB4CB4C-8189-460D-B864-DED9DB20B425}" type="datetimeFigureOut">
+            <a:fld id="{AC97B444-451C-40BF-A5CE-F1487967AAAE}" type="datetimeFigureOut">
               <a:rPr lang="zh-CN" altLang="en-US" smtClean="0"/>
               <a:t>2024/3/10</a:t>
             </a:fld>
@@ -2674,7 +2674,7 @@
           <p:cNvPr id="6" name="页脚占位符 5">
             <a:extLst>
               <a:ext uri="{FF2B5EF4-FFF2-40B4-BE49-F238E27FC236}">
-                <a16:creationId xmlns:a16="http://schemas.microsoft.com/office/drawing/2014/main" id="{825A397D-15B9-CC2C-5432-F191E6AEBFD5}"/>
+                <a16:creationId xmlns:a16="http://schemas.microsoft.com/office/drawing/2014/main" id="{2109140D-36BA-6CC3-FAEF-162930FB23FC}"/>
               </a:ext>
             </a:extLst>
           </p:cNvPr>
@@ -2699,7 +2699,7 @@
           <p:cNvPr id="7" name="灯片编号占位符 6">
             <a:extLst>
               <a:ext uri="{FF2B5EF4-FFF2-40B4-BE49-F238E27FC236}">
-                <a16:creationId xmlns:a16="http://schemas.microsoft.com/office/drawing/2014/main" id="{E7E0D9A4-DF0F-F7E4-DD60-E0DF9EE5C42B}"/>
+                <a16:creationId xmlns:a16="http://schemas.microsoft.com/office/drawing/2014/main" id="{9BCB9FD1-2247-898D-D975-DFE086955252}"/>
               </a:ext>
             </a:extLst>
           </p:cNvPr>
@@ -2715,7 +2715,7 @@
           <a:bodyPr/>
           <a:lstStyle/>
           <a:p>
-            <a:fld id="{CDCACD70-36AD-4D5C-9D6D-ED84A0ED952B}" type="slidenum">
+            <a:fld id="{D46628BE-A6F0-4F0D-9387-BCB0A527ED5E}" type="slidenum">
               <a:rPr lang="zh-CN" altLang="en-US" smtClean="0"/>
               <a:t>‹#›</a:t>
             </a:fld>
@@ -2726,7 +2726,7 @@
     </p:spTree>
     <p:extLst>
       <p:ext uri="{BB962C8B-B14F-4D97-AF65-F5344CB8AC3E}">
-        <p14:creationId xmlns:p14="http://schemas.microsoft.com/office/powerpoint/2010/main" val="2306576731"/>
+        <p14:creationId xmlns:p14="http://schemas.microsoft.com/office/powerpoint/2010/main" val="1900443775"/>
       </p:ext>
     </p:extLst>
   </p:cSld>
@@ -2763,7 +2763,7 @@
           <p:cNvPr id="2" name="标题占位符 1">
             <a:extLst>
               <a:ext uri="{FF2B5EF4-FFF2-40B4-BE49-F238E27FC236}">
-                <a16:creationId xmlns:a16="http://schemas.microsoft.com/office/drawing/2014/main" id="{2EDDE244-B8CA-7798-6AA3-309E272054A3}"/>
+                <a16:creationId xmlns:a16="http://schemas.microsoft.com/office/drawing/2014/main" id="{F14292B4-AE17-0B8A-8D43-348180175070}"/>
               </a:ext>
             </a:extLst>
           </p:cNvPr>
@@ -2801,7 +2801,7 @@
           <p:cNvPr id="3" name="文本占位符 2">
             <a:extLst>
               <a:ext uri="{FF2B5EF4-FFF2-40B4-BE49-F238E27FC236}">
-                <a16:creationId xmlns:a16="http://schemas.microsoft.com/office/drawing/2014/main" id="{2E67EDA8-F606-5251-0068-7ACB8D61BF29}"/>
+                <a16:creationId xmlns:a16="http://schemas.microsoft.com/office/drawing/2014/main" id="{391EF18F-30F9-C51B-66A4-1766888BBBBE}"/>
               </a:ext>
             </a:extLst>
           </p:cNvPr>
@@ -2868,7 +2868,7 @@
           <p:cNvPr id="4" name="日期占位符 3">
             <a:extLst>
               <a:ext uri="{FF2B5EF4-FFF2-40B4-BE49-F238E27FC236}">
-                <a16:creationId xmlns:a16="http://schemas.microsoft.com/office/drawing/2014/main" id="{30493B43-4B03-ED07-9C91-409FD3B03E3F}"/>
+                <a16:creationId xmlns:a16="http://schemas.microsoft.com/office/drawing/2014/main" id="{F8694CF5-F8AC-7511-8697-49B80C801209}"/>
               </a:ext>
             </a:extLst>
           </p:cNvPr>
@@ -2902,7 +2902,7 @@
             </a:lvl1pPr>
           </a:lstStyle>
           <a:p>
-            <a:fld id="{EAB4CB4C-8189-460D-B864-DED9DB20B425}" type="datetimeFigureOut">
+            <a:fld id="{AC97B444-451C-40BF-A5CE-F1487967AAAE}" type="datetimeFigureOut">
               <a:rPr lang="zh-CN" altLang="en-US" smtClean="0"/>
               <a:t>2024/3/10</a:t>
             </a:fld>
@@ -2915,7 +2915,7 @@
           <p:cNvPr id="5" name="页脚占位符 4">
             <a:extLst>
               <a:ext uri="{FF2B5EF4-FFF2-40B4-BE49-F238E27FC236}">
-                <a16:creationId xmlns:a16="http://schemas.microsoft.com/office/drawing/2014/main" id="{80B6D86B-88C2-017D-E547-882528D1D3F5}"/>
+                <a16:creationId xmlns:a16="http://schemas.microsoft.com/office/drawing/2014/main" id="{1FB9C29E-778D-412C-1C40-FF8B4EEC3194}"/>
               </a:ext>
             </a:extLst>
           </p:cNvPr>
@@ -2958,7 +2958,7 @@
           <p:cNvPr id="6" name="灯片编号占位符 5">
             <a:extLst>
               <a:ext uri="{FF2B5EF4-FFF2-40B4-BE49-F238E27FC236}">
-                <a16:creationId xmlns:a16="http://schemas.microsoft.com/office/drawing/2014/main" id="{8B608E91-6D39-7302-E97C-C9AB32B461ED}"/>
+                <a16:creationId xmlns:a16="http://schemas.microsoft.com/office/drawing/2014/main" id="{CC76B2E0-D649-6F2E-80CD-D55ACA26DA3D}"/>
               </a:ext>
             </a:extLst>
           </p:cNvPr>
@@ -2992,7 +2992,7 @@
             </a:lvl1pPr>
           </a:lstStyle>
           <a:p>
-            <a:fld id="{CDCACD70-36AD-4D5C-9D6D-ED84A0ED952B}" type="slidenum">
+            <a:fld id="{D46628BE-A6F0-4F0D-9387-BCB0A527ED5E}" type="slidenum">
               <a:rPr lang="zh-CN" altLang="en-US" smtClean="0"/>
               <a:t>‹#›</a:t>
             </a:fld>
@@ -3003,7 +3003,7 @@
     </p:spTree>
     <p:extLst>
       <p:ext uri="{BB962C8B-B14F-4D97-AF65-F5344CB8AC3E}">
-        <p14:creationId xmlns:p14="http://schemas.microsoft.com/office/powerpoint/2010/main" val="1454434558"/>
+        <p14:creationId xmlns:p14="http://schemas.microsoft.com/office/powerpoint/2010/main" val="4037322043"/>
       </p:ext>
     </p:extLst>
   </p:cSld>
@@ -3323,7 +3323,7 @@
       </p:grpSpPr>
       <p:pic>
         <p:nvPicPr>
-          <p:cNvPr id="249858" name="Picture 2" descr="243"/>
+          <p:cNvPr id="250882" name="Picture 2" descr="244"/>
           <p:cNvPicPr>
             <a:picLocks noChangeAspect="1" noChangeArrowheads="1"/>
           </p:cNvPicPr>
@@ -3344,8 +3344,8 @@
         </p:blipFill>
         <p:spPr bwMode="auto">
           <a:xfrm>
-            <a:off x="1524000" y="0"/>
-            <a:ext cx="9144000" cy="6858000"/>
+            <a:off x="1524000" y="1"/>
+            <a:ext cx="9144000" cy="6308725"/>
           </a:xfrm>
           <a:prstGeom prst="rect">
             <a:avLst/>
@@ -3375,158 +3375,11 @@
           </a:extLst>
         </p:spPr>
       </p:pic>
-      <p:pic>
-        <p:nvPicPr>
-          <p:cNvPr id="250883" name="Picture 3" descr="243-2"/>
-          <p:cNvPicPr>
-            <a:picLocks noChangeAspect="1" noChangeArrowheads="1"/>
-          </p:cNvPicPr>
-          <p:nvPr/>
-        </p:nvPicPr>
-        <p:blipFill>
-          <a:blip r:embed="rId3">
-            <a:extLst>
-              <a:ext uri="{28A0092B-C50C-407E-A947-70E740481C1C}">
-                <a14:useLocalDpi xmlns:a14="http://schemas.microsoft.com/office/drawing/2010/main" val="0"/>
-              </a:ext>
-            </a:extLst>
-          </a:blip>
-          <a:srcRect/>
-          <a:stretch>
-            <a:fillRect/>
-          </a:stretch>
-        </p:blipFill>
-        <p:spPr bwMode="auto">
-          <a:xfrm>
-            <a:off x="1524000" y="0"/>
-            <a:ext cx="9144000" cy="6858000"/>
-          </a:xfrm>
-          <a:prstGeom prst="rect">
-            <a:avLst/>
-          </a:prstGeom>
-          <a:noFill/>
-          <a:ln>
-            <a:noFill/>
-          </a:ln>
-          <a:effectLst/>
-          <a:extLst>
-            <a:ext uri="{909E8E84-426E-40DD-AFC4-6F175D3DCCD1}">
-              <a14:hiddenFill xmlns:a14="http://schemas.microsoft.com/office/drawing/2010/main">
-                <a:solidFill>
-                  <a:srgbClr val="FFFFFF"/>
-                </a:solidFill>
-              </a14:hiddenFill>
-            </a:ext>
-            <a:ext uri="{91240B29-F687-4F45-9708-019B960494DF}">
-              <a14:hiddenLine xmlns:a14="http://schemas.microsoft.com/office/drawing/2010/main" w="9525">
-                <a:solidFill>
-                  <a:srgbClr val="000000"/>
-                </a:solidFill>
-                <a:miter lim="800000"/>
-                <a:headEnd/>
-                <a:tailEnd/>
-              </a14:hiddenLine>
-            </a:ext>
-            <a:ext uri="{AF507438-7753-43E0-B8FC-AC1667EBCBE1}">
-              <a14:hiddenEffects xmlns:a14="http://schemas.microsoft.com/office/drawing/2010/main">
-                <a:effectLst>
-                  <a:outerShdw dist="35921" dir="2700000" algn="ctr" rotWithShape="0">
-                    <a:srgbClr val="808080"/>
-                  </a:outerShdw>
-                </a:effectLst>
-              </a14:hiddenEffects>
-            </a:ext>
-          </a:extLst>
-        </p:spPr>
-      </p:pic>
     </p:spTree>
   </p:cSld>
   <p:clrMapOvr>
     <a:masterClrMapping/>
   </p:clrMapOvr>
-  <p:timing>
-    <p:tnLst>
-      <p:par>
-        <p:cTn id="1" dur="indefinite" restart="never" nodeType="tmRoot">
-          <p:childTnLst>
-            <p:seq concurrent="1" nextAc="seek">
-              <p:cTn id="2" dur="indefinite" nodeType="mainSeq">
-                <p:childTnLst>
-                  <p:par>
-                    <p:cTn id="3" fill="hold" nodeType="clickPar">
-                      <p:stCondLst>
-                        <p:cond delay="indefinite"/>
-                      </p:stCondLst>
-                      <p:childTnLst>
-                        <p:par>
-                          <p:cTn id="4" fill="hold" nodeType="withGroup">
-                            <p:stCondLst>
-                              <p:cond delay="0"/>
-                            </p:stCondLst>
-                            <p:childTnLst>
-                              <p:par>
-                                <p:cTn id="5" presetID="10" presetClass="entr" presetSubtype="0" fill="hold" nodeType="clickEffect">
-                                  <p:stCondLst>
-                                    <p:cond delay="0"/>
-                                  </p:stCondLst>
-                                  <p:childTnLst>
-                                    <p:set>
-                                      <p:cBhvr>
-                                        <p:cTn id="6" dur="1" fill="hold">
-                                          <p:stCondLst>
-                                            <p:cond delay="0"/>
-                                          </p:stCondLst>
-                                        </p:cTn>
-                                        <p:tgtEl>
-                                          <p:spTgt spid="250883"/>
-                                        </p:tgtEl>
-                                        <p:attrNameLst>
-                                          <p:attrName>style.visibility</p:attrName>
-                                        </p:attrNameLst>
-                                      </p:cBhvr>
-                                      <p:to>
-                                        <p:strVal val="visible"/>
-                                      </p:to>
-                                    </p:set>
-                                    <p:animEffect transition="in" filter="fade">
-                                      <p:cBhvr>
-                                        <p:cTn id="7" dur="500"/>
-                                        <p:tgtEl>
-                                          <p:spTgt spid="250883"/>
-                                        </p:tgtEl>
-                                      </p:cBhvr>
-                                    </p:animEffect>
-                                  </p:childTnLst>
-                                </p:cTn>
-                              </p:par>
-                            </p:childTnLst>
-                          </p:cTn>
-                        </p:par>
-                      </p:childTnLst>
-                    </p:cTn>
-                  </p:par>
-                </p:childTnLst>
-              </p:cTn>
-              <p:prevCondLst>
-                <p:cond evt="onPrev" delay="0">
-                  <p:tgtEl>
-                    <p:sldTgt/>
-                  </p:tgtEl>
-                </p:cond>
-              </p:prevCondLst>
-              <p:nextCondLst>
-                <p:cond evt="onNext" delay="0">
-                  <p:tgtEl>
-                    <p:sldTgt/>
-                  </p:tgtEl>
-                </p:cond>
-              </p:nextCondLst>
-            </p:seq>
-          </p:childTnLst>
-        </p:cTn>
-      </p:par>
-    </p:tnLst>
-  </p:timing>
 </p:sld>
 </file>
 
